--- a/CSS PowerPoints/9. CSS Box-Model.pptx
+++ b/CSS PowerPoints/9. CSS Box-Model.pptx
@@ -5022,11 +5022,6 @@
               </a:rPr>
               <a:t>Lesson 9 </a:t>
             </a:r>
-            <a:endParaRPr lang="en-IN" dirty="0" smtClean="0">
-              <a:solidFill>
-                <a:schemeClr val="tx1"/>
-              </a:solidFill>
-            </a:endParaRPr>
           </a:p>
           <a:p>
             <a:pPr algn="l"/>
@@ -5178,25 +5173,18 @@
               <a:rPr lang="en-IN" dirty="0" smtClean="0"/>
               <a:t>What is CSS Box Model</a:t>
             </a:r>
-            <a:endParaRPr lang="en-IN" dirty="0" smtClean="0"/>
           </a:p>
           <a:p>
             <a:r>
               <a:rPr lang="en-IN" dirty="0" smtClean="0"/>
               <a:t>Calculate the total height and width of a element.</a:t>
             </a:r>
-            <a:endParaRPr lang="en-IN" dirty="0" smtClean="0"/>
           </a:p>
           <a:p>
             <a:r>
               <a:rPr lang="en-IN" dirty="0" smtClean="0"/>
-              <a:t>Use </a:t>
-            </a:r>
-            <a:r>
-              <a:rPr lang="en-IN" dirty="0" smtClean="0"/>
-              <a:t>box-sizing property</a:t>
-            </a:r>
-            <a:endParaRPr lang="en-IN" dirty="0" smtClean="0"/>
+              <a:t>Use box-sizing property</a:t>
+            </a:r>
           </a:p>
           <a:p>
             <a:endParaRPr lang="en-IN" dirty="0" smtClean="0"/>
@@ -5544,19 +5532,7 @@
             <a:pPr lvl="1" algn="just"/>
             <a:r>
               <a:rPr lang="en-US" sz="2400" dirty="0"/>
-              <a:t>The </a:t>
-            </a:r>
-            <a:r>
-              <a:rPr lang="en-US" sz="2400" dirty="0">
-                <a:solidFill>
-                  <a:schemeClr val="accent2"/>
-                </a:solidFill>
-              </a:rPr>
-              <a:t>box-sizing</a:t>
-            </a:r>
-            <a:r>
-              <a:rPr lang="en-US" sz="2400" dirty="0"/>
-              <a:t> property defines how the width and height of an element are calculated: should they include padding and borders, or not</a:t>
+              <a:t>The box-sizing property defines how the width and height of an element are calculated: should they include padding and borders, or not</a:t>
             </a:r>
             <a:r>
               <a:rPr lang="en-US" sz="2400" dirty="0" smtClean="0"/>
